--- a/demoPresentation.pptx
+++ b/demoPresentation.pptx
@@ -5,20 +5,17 @@
     <p:sldMasterId id="2147483658" r:id="rId1"/>
   </p:sldMasterIdLst>
   <p:notesMasterIdLst>
-    <p:notesMasterId r:id="rId13"/>
+    <p:notesMasterId r:id="rId10"/>
   </p:notesMasterIdLst>
   <p:sldIdLst>
     <p:sldId id="327" r:id="rId2"/>
     <p:sldId id="330" r:id="rId3"/>
     <p:sldId id="328" r:id="rId4"/>
-    <p:sldId id="337" r:id="rId5"/>
-    <p:sldId id="329" r:id="rId6"/>
-    <p:sldId id="325" r:id="rId7"/>
-    <p:sldId id="326" r:id="rId8"/>
-    <p:sldId id="331" r:id="rId9"/>
-    <p:sldId id="332" r:id="rId10"/>
-    <p:sldId id="333" r:id="rId11"/>
-    <p:sldId id="336" r:id="rId12"/>
+    <p:sldId id="326" r:id="rId5"/>
+    <p:sldId id="331" r:id="rId6"/>
+    <p:sldId id="332" r:id="rId7"/>
+    <p:sldId id="333" r:id="rId8"/>
+    <p:sldId id="336" r:id="rId9"/>
   </p:sldIdLst>
   <p:sldSz cx="9144000" cy="5143500" type="screen16x9"/>
   <p:notesSz cx="6858000" cy="9144000"/>
@@ -550,7 +547,7 @@
           <a:p>
             <a:fld id="{0CBCAA37-5393-441C-B54C-F75E3C58BE2D}" type="slidenum">
               <a:rPr lang="en-US" smtClean="0"/>
-              <a:t>7</a:t>
+              <a:t>4</a:t>
             </a:fld>
             <a:endParaRPr lang="en-US"/>
           </a:p>
@@ -8095,166 +8092,6 @@
 </p:sld>
 </file>
 
-<file path=ppt/slides/slide10.xml><?xml version="1.0" encoding="utf-8"?>
-<p:sld xmlns:a="http://schemas.openxmlformats.org/drawingml/2006/main" xmlns:r="http://schemas.openxmlformats.org/officeDocument/2006/relationships" xmlns:p="http://schemas.openxmlformats.org/presentationml/2006/main">
-  <p:cSld>
-    <p:spTree>
-      <p:nvGrpSpPr>
-        <p:cNvPr id="1" name=""/>
-        <p:cNvGrpSpPr/>
-        <p:nvPr/>
-      </p:nvGrpSpPr>
-      <p:grpSpPr>
-        <a:xfrm>
-          <a:off x="0" y="0"/>
-          <a:ext cx="0" cy="0"/>
-          <a:chOff x="0" y="0"/>
-          <a:chExt cx="0" cy="0"/>
-        </a:xfrm>
-      </p:grpSpPr>
-      <p:sp>
-        <p:nvSpPr>
-          <p:cNvPr id="2" name="Title 1"/>
-          <p:cNvSpPr>
-            <a:spLocks noGrp="1"/>
-          </p:cNvSpPr>
-          <p:nvPr>
-            <p:ph type="title"/>
-          </p:nvPr>
-        </p:nvSpPr>
-        <p:spPr/>
-        <p:txBody>
-          <a:bodyPr/>
-          <a:lstStyle/>
-          <a:p>
-            <a:r>
-              <a:rPr lang="en-US" dirty="0"/>
-              <a:t>Learnings</a:t>
-            </a:r>
-          </a:p>
-        </p:txBody>
-      </p:sp>
-      <p:sp>
-        <p:nvSpPr>
-          <p:cNvPr id="3" name="Content Placeholder 2"/>
-          <p:cNvSpPr>
-            <a:spLocks noGrp="1"/>
-          </p:cNvSpPr>
-          <p:nvPr>
-            <p:ph idx="1"/>
-          </p:nvPr>
-        </p:nvSpPr>
-        <p:spPr/>
-        <p:txBody>
-          <a:bodyPr/>
-          <a:lstStyle/>
-          <a:p>
-            <a:r>
-              <a:rPr lang="en-US" dirty="0"/>
-              <a:t>Scaling the worker to meet demand</a:t>
-            </a:r>
-          </a:p>
-          <a:p>
-            <a:r>
-              <a:rPr lang="en-US" dirty="0"/>
-              <a:t>What happens if the database is overwhelmed?</a:t>
-            </a:r>
-          </a:p>
-          <a:p>
-            <a:r>
-              <a:rPr lang="en-US" dirty="0"/>
-              <a:t>What happens if the front end is overwhelmed?</a:t>
-            </a:r>
-          </a:p>
-        </p:txBody>
-      </p:sp>
-    </p:spTree>
-    <p:extLst>
-      <p:ext uri="{BB962C8B-B14F-4D97-AF65-F5344CB8AC3E}">
-        <p14:creationId xmlns:p14="http://schemas.microsoft.com/office/powerpoint/2010/main" val="296299508"/>
-      </p:ext>
-    </p:extLst>
-  </p:cSld>
-  <p:clrMapOvr>
-    <a:masterClrMapping/>
-  </p:clrMapOvr>
-</p:sld>
-</file>
-
-<file path=ppt/slides/slide11.xml><?xml version="1.0" encoding="utf-8"?>
-<p:sld xmlns:a="http://schemas.openxmlformats.org/drawingml/2006/main" xmlns:r="http://schemas.openxmlformats.org/officeDocument/2006/relationships" xmlns:p="http://schemas.openxmlformats.org/presentationml/2006/main">
-  <p:cSld>
-    <p:spTree>
-      <p:nvGrpSpPr>
-        <p:cNvPr id="1" name=""/>
-        <p:cNvGrpSpPr/>
-        <p:nvPr/>
-      </p:nvGrpSpPr>
-      <p:grpSpPr>
-        <a:xfrm>
-          <a:off x="0" y="0"/>
-          <a:ext cx="0" cy="0"/>
-          <a:chOff x="0" y="0"/>
-          <a:chExt cx="0" cy="0"/>
-        </a:xfrm>
-      </p:grpSpPr>
-      <p:sp>
-        <p:nvSpPr>
-          <p:cNvPr id="2" name="Subtitle 1"/>
-          <p:cNvSpPr>
-            <a:spLocks noGrp="1"/>
-          </p:cNvSpPr>
-          <p:nvPr>
-            <p:ph type="subTitle" idx="1"/>
-          </p:nvPr>
-        </p:nvSpPr>
-        <p:spPr/>
-        <p:txBody>
-          <a:bodyPr/>
-          <a:lstStyle/>
-          <a:p>
-            <a:r>
-              <a:rPr lang="en-US" sz="2000" dirty="0"/>
-              <a:t>And good luck with your projects!</a:t>
-            </a:r>
-          </a:p>
-        </p:txBody>
-      </p:sp>
-      <p:sp>
-        <p:nvSpPr>
-          <p:cNvPr id="3" name="Title 2"/>
-          <p:cNvSpPr>
-            <a:spLocks noGrp="1"/>
-          </p:cNvSpPr>
-          <p:nvPr>
-            <p:ph type="title"/>
-          </p:nvPr>
-        </p:nvSpPr>
-        <p:spPr/>
-        <p:txBody>
-          <a:bodyPr/>
-          <a:lstStyle/>
-          <a:p>
-            <a:r>
-              <a:rPr lang="en-US" dirty="0"/>
-              <a:t>Thank You!</a:t>
-            </a:r>
-          </a:p>
-        </p:txBody>
-      </p:sp>
-    </p:spTree>
-    <p:extLst>
-      <p:ext uri="{BB962C8B-B14F-4D97-AF65-F5344CB8AC3E}">
-        <p14:creationId xmlns:p14="http://schemas.microsoft.com/office/powerpoint/2010/main" val="1639093140"/>
-      </p:ext>
-    </p:extLst>
-  </p:cSld>
-  <p:clrMapOvr>
-    <a:masterClrMapping/>
-  </p:clrMapOvr>
-</p:sld>
-</file>
-
 <file path=ppt/slides/slide2.xml><?xml version="1.0" encoding="utf-8"?>
 <p:sld xmlns:a="http://schemas.openxmlformats.org/drawingml/2006/main" xmlns:r="http://schemas.openxmlformats.org/officeDocument/2006/relationships" xmlns:p="http://schemas.openxmlformats.org/presentationml/2006/main">
   <p:cSld>
@@ -8469,7 +8306,7 @@
           <a:p>
             <a:r>
               <a:rPr lang="en-US" dirty="0"/>
-              <a:t>Components</a:t>
+              <a:t>A License Plate Tracking System</a:t>
             </a:r>
           </a:p>
         </p:txBody>
@@ -8484,57 +8321,165 @@
             <p:ph idx="1"/>
           </p:nvPr>
         </p:nvSpPr>
-        <p:spPr/>
+        <p:spPr>
+          <a:xfrm>
+            <a:off x="396877" y="1022350"/>
+            <a:ext cx="4098923" cy="3729038"/>
+          </a:xfrm>
+        </p:spPr>
         <p:txBody>
           <a:bodyPr/>
           <a:lstStyle/>
           <a:p>
             <a:r>
-              <a:rPr lang="en-US" dirty="0"/>
-              <a:t>Kubernetes, deployment and scalability</a:t>
-            </a:r>
-          </a:p>
-          <a:p>
-            <a:r>
-              <a:rPr lang="en-US" dirty="0"/>
-              <a:t>Deep-learning model to predict opening price </a:t>
-            </a:r>
-          </a:p>
-          <a:p>
-            <a:r>
-              <a:rPr lang="en-US" dirty="0" err="1"/>
-              <a:t>rabbitMQ</a:t>
-            </a:r>
-            <a:r>
-              <a:rPr lang="en-US" dirty="0"/>
-              <a:t>, messaging</a:t>
-            </a:r>
-          </a:p>
-          <a:p>
-            <a:r>
-              <a:rPr lang="en-US" dirty="0" err="1"/>
-              <a:t>redis</a:t>
-            </a:r>
-            <a:r>
-              <a:rPr lang="en-US" dirty="0"/>
-              <a:t>, database</a:t>
-            </a:r>
-          </a:p>
-          <a:p>
-            <a:r>
-              <a:rPr lang="en-US" dirty="0"/>
-              <a:t>Flask REST server</a:t>
-            </a:r>
-          </a:p>
-          <a:p>
-            <a:endParaRPr lang="en-US" dirty="0"/>
-          </a:p>
-        </p:txBody>
-      </p:sp>
+              <a:rPr lang="en-US" b="0" dirty="0" err="1"/>
+              <a:t>car.jpg</a:t>
+            </a:r>
+            <a:endParaRPr lang="en-US" b="0" dirty="0"/>
+          </a:p>
+          <a:p>
+            <a:r>
+              <a:rPr lang="en-US" b="0" dirty="0"/>
+              <a:t>CZTHEDA %80.23</a:t>
+            </a:r>
+          </a:p>
+          <a:p>
+            <a:r>
+              <a:rPr lang="en-US" b="0" dirty="0"/>
+              <a:t>md5sum </a:t>
+            </a:r>
+            <a:r>
+              <a:rPr lang="en-US" b="0" dirty="0" err="1"/>
+              <a:t>car.jpg</a:t>
+            </a:r>
+            <a:endParaRPr lang="en-US" b="0" dirty="0"/>
+          </a:p>
+          <a:p>
+            <a:r>
+              <a:rPr lang="en-US" b="0" dirty="0"/>
+              <a:t>40.032115, -105.258897</a:t>
+            </a:r>
+          </a:p>
+        </p:txBody>
+      </p:sp>
+      <p:pic>
+        <p:nvPicPr>
+          <p:cNvPr id="5" name="Picture 4"/>
+          <p:cNvPicPr>
+            <a:picLocks noChangeAspect="1"/>
+          </p:cNvPicPr>
+          <p:nvPr/>
+        </p:nvPicPr>
+        <p:blipFill>
+          <a:blip r:embed="rId3"/>
+          <a:stretch>
+            <a:fillRect/>
+          </a:stretch>
+        </p:blipFill>
+        <p:spPr>
+          <a:xfrm>
+            <a:off x="4419599" y="1276350"/>
+            <a:ext cx="4373251" cy="2459162"/>
+          </a:xfrm>
+          <a:prstGeom prst="rect">
+            <a:avLst/>
+          </a:prstGeom>
+        </p:spPr>
+      </p:pic>
+      <p:sp>
+        <p:nvSpPr>
+          <p:cNvPr id="7" name="Frame 6"/>
+          <p:cNvSpPr/>
+          <p:nvPr/>
+        </p:nvSpPr>
+        <p:spPr bwMode="auto">
+          <a:xfrm>
+            <a:off x="5562600" y="2571750"/>
+            <a:ext cx="762000" cy="533400"/>
+          </a:xfrm>
+          <a:prstGeom prst="frame">
+            <a:avLst/>
+          </a:prstGeom>
+          <a:solidFill>
+            <a:srgbClr val="FF0000"/>
+          </a:solidFill>
+          <a:ln w="25400" cap="flat" cmpd="sng" algn="ctr">
+            <a:noFill/>
+            <a:prstDash val="solid"/>
+            <a:round/>
+            <a:headEnd type="none" w="med" len="med"/>
+            <a:tailEnd type="triangle" w="med" len="med"/>
+          </a:ln>
+          <a:effectLst/>
+        </p:spPr>
+        <p:txBody>
+          <a:bodyPr vert="horz" wrap="square" lIns="91440" tIns="45720" rIns="91440" bIns="45720" numCol="1" rtlCol="0" anchor="t" anchorCtr="0" compatLnSpc="1">
+            <a:prstTxWarp prst="textNoShape">
+              <a:avLst/>
+            </a:prstTxWarp>
+          </a:bodyPr>
+          <a:lstStyle/>
+          <a:p>
+            <a:pPr marL="0" marR="0" indent="0" algn="l" defTabSz="914400" rtl="0" eaLnBrk="0" fontAlgn="base" latinLnBrk="0" hangingPunct="0">
+              <a:lnSpc>
+                <a:spcPct val="100000"/>
+              </a:lnSpc>
+              <a:spcBef>
+                <a:spcPct val="0"/>
+              </a:spcBef>
+              <a:spcAft>
+                <a:spcPct val="0"/>
+              </a:spcAft>
+              <a:buClrTx/>
+              <a:buSzTx/>
+              <a:buFontTx/>
+              <a:buNone/>
+              <a:tabLst/>
+            </a:pPr>
+            <a:endParaRPr kumimoji="0" lang="en-US" sz="2400" i="0" u="none" strike="noStrike" cap="none" normalizeH="0" baseline="0" dirty="0">
+              <a:ln>
+                <a:noFill/>
+              </a:ln>
+              <a:solidFill>
+                <a:schemeClr val="tx1"/>
+              </a:solidFill>
+              <a:effectLst/>
+              <a:latin typeface="Arial Narrow" pitchFamily="34" charset="0"/>
+            </a:endParaRPr>
+          </a:p>
+        </p:txBody>
+      </p:sp>
+      <p:cxnSp>
+        <p:nvCxnSpPr>
+          <p:cNvPr id="9" name="Straight Connector 8"/>
+          <p:cNvCxnSpPr/>
+          <p:nvPr/>
+        </p:nvCxnSpPr>
+        <p:spPr bwMode="auto">
+          <a:xfrm flipH="1" flipV="1">
+            <a:off x="3200400" y="1809750"/>
+            <a:ext cx="2286000" cy="990600"/>
+          </a:xfrm>
+          <a:prstGeom prst="line">
+            <a:avLst/>
+          </a:prstGeom>
+          <a:noFill/>
+          <a:ln w="41275" cap="flat" cmpd="sng" algn="ctr">
+            <a:solidFill>
+              <a:srgbClr val="FF0000"/>
+            </a:solidFill>
+            <a:prstDash val="solid"/>
+            <a:round/>
+            <a:headEnd type="none" w="med" len="med"/>
+            <a:tailEnd type="triangle" w="med" len="med"/>
+          </a:ln>
+          <a:effectLst/>
+        </p:spPr>
+      </p:cxnSp>
     </p:spTree>
     <p:extLst>
       <p:ext uri="{BB962C8B-B14F-4D97-AF65-F5344CB8AC3E}">
-        <p14:creationId xmlns:p14="http://schemas.microsoft.com/office/powerpoint/2010/main" val="702907571"/>
+        <p14:creationId xmlns:p14="http://schemas.microsoft.com/office/powerpoint/2010/main" val="1835652929"/>
       </p:ext>
     </p:extLst>
   </p:cSld>
@@ -8578,22 +8523,14 @@
           <a:p>
             <a:r>
               <a:rPr lang="en-US" dirty="0"/>
-              <a:t>screencast-o-</a:t>
-            </a:r>
-            <a:r>
-              <a:rPr lang="en-US" dirty="0" err="1"/>
-              <a:t>matic.com</a:t>
-            </a:r>
-            <a:r>
-              <a:rPr lang="en-US" dirty="0"/>
-              <a:t> </a:t>
+              <a:t>Architectural Diagram</a:t>
             </a:r>
           </a:p>
         </p:txBody>
       </p:sp>
       <p:pic>
         <p:nvPicPr>
-          <p:cNvPr id="5" name="Content Placeholder 4"/>
+          <p:cNvPr id="4" name="Content Placeholder 3"/>
           <p:cNvPicPr>
             <a:picLocks noGrp="1" noChangeAspect="1"/>
           </p:cNvPicPr>
@@ -8615,15 +8552,15 @@
         </p:blipFill>
         <p:spPr>
           <a:xfrm>
-            <a:off x="1668181" y="1022350"/>
-            <a:ext cx="5353612" cy="3729038"/>
+            <a:off x="396875" y="1312439"/>
+            <a:ext cx="7896225" cy="3148860"/>
           </a:xfrm>
         </p:spPr>
       </p:pic>
     </p:spTree>
     <p:extLst>
       <p:ext uri="{BB962C8B-B14F-4D97-AF65-F5344CB8AC3E}">
-        <p14:creationId xmlns:p14="http://schemas.microsoft.com/office/powerpoint/2010/main" val="1436384003"/>
+        <p14:creationId xmlns:p14="http://schemas.microsoft.com/office/powerpoint/2010/main" val="2062572607"/>
       </p:ext>
     </p:extLst>
   </p:cSld>
@@ -8652,18 +8589,12 @@
       </p:grpSpPr>
       <p:sp>
         <p:nvSpPr>
-          <p:cNvPr id="6" name="Subtitle 5">
-            <a:extLst>
-              <a:ext uri="{FF2B5EF4-FFF2-40B4-BE49-F238E27FC236}">
-                <a16:creationId xmlns:a16="http://schemas.microsoft.com/office/drawing/2014/main" id="{19614DC2-9EAF-D54B-AF14-EEF00D162AEB}"/>
-              </a:ext>
-            </a:extLst>
-          </p:cNvPr>
-          <p:cNvSpPr>
-            <a:spLocks noGrp="1"/>
-          </p:cNvSpPr>
-          <p:nvPr>
-            <p:ph type="subTitle" idx="1"/>
+          <p:cNvPr id="2" name="Title 1"/>
+          <p:cNvSpPr>
+            <a:spLocks noGrp="1"/>
+          </p:cNvSpPr>
+          <p:nvPr>
+            <p:ph type="title"/>
           </p:nvPr>
         </p:nvSpPr>
         <p:spPr/>
@@ -8672,32 +8603,20 @@
           <a:lstStyle/>
           <a:p>
             <a:r>
-              <a:rPr lang="en-US" sz="2000" dirty="0"/>
-              <a:t>                         By 	Max Hollingsworth</a:t>
-            </a:r>
-          </a:p>
-          <a:p>
-            <a:r>
-              <a:rPr lang="en-US" altLang="en-US" sz="2000" dirty="0"/>
-              <a:t>		Partner Name</a:t>
-            </a:r>
-          </a:p>
-        </p:txBody>
-      </p:sp>
-      <p:sp>
-        <p:nvSpPr>
-          <p:cNvPr id="5" name="Title 4">
-            <a:extLst>
-              <a:ext uri="{FF2B5EF4-FFF2-40B4-BE49-F238E27FC236}">
-                <a16:creationId xmlns:a16="http://schemas.microsoft.com/office/drawing/2014/main" id="{00B632FB-7871-AF48-A139-6A89EF7E5404}"/>
-              </a:ext>
-            </a:extLst>
-          </p:cNvPr>
-          <p:cNvSpPr>
-            <a:spLocks noGrp="1"/>
-          </p:cNvSpPr>
-          <p:nvPr>
-            <p:ph type="title"/>
+              <a:rPr lang="en-US" dirty="0"/>
+              <a:t>Debugging</a:t>
+            </a:r>
+          </a:p>
+        </p:txBody>
+      </p:sp>
+      <p:sp>
+        <p:nvSpPr>
+          <p:cNvPr id="3" name="Content Placeholder 2"/>
+          <p:cNvSpPr>
+            <a:spLocks noGrp="1"/>
+          </p:cNvSpPr>
+          <p:nvPr>
+            <p:ph idx="1"/>
           </p:nvPr>
         </p:nvSpPr>
         <p:spPr/>
@@ -8706,9 +8625,36 @@
           <a:lstStyle/>
           <a:p>
             <a:r>
-              <a:rPr lang="en-US" altLang="en-US" sz="2800" dirty="0"/>
-              <a:t>License Plate Tracker</a:t>
-            </a:r>
+              <a:rPr lang="en-US" dirty="0"/>
+              <a:t>Logging with </a:t>
+            </a:r>
+            <a:r>
+              <a:rPr lang="en-US" dirty="0" err="1"/>
+              <a:t>rabbitMQ</a:t>
+            </a:r>
+            <a:endParaRPr lang="en-US" dirty="0"/>
+          </a:p>
+          <a:p>
+            <a:r>
+              <a:rPr lang="en-US" dirty="0"/>
+              <a:t>Cluster communication</a:t>
+            </a:r>
+          </a:p>
+          <a:p>
+            <a:r>
+              <a:rPr lang="en-US" dirty="0"/>
+              <a:t>Launching under a new </a:t>
+            </a:r>
+            <a:r>
+              <a:rPr lang="en-US" dirty="0" err="1"/>
+              <a:t>gcloud</a:t>
+            </a:r>
+            <a:r>
+              <a:rPr lang="en-US" dirty="0"/>
+              <a:t> project</a:t>
+            </a:r>
+          </a:p>
+          <a:p>
             <a:endParaRPr lang="en-US" dirty="0"/>
           </a:p>
         </p:txBody>
@@ -8716,7 +8662,7 @@
     </p:spTree>
     <p:extLst>
       <p:ext uri="{BB962C8B-B14F-4D97-AF65-F5344CB8AC3E}">
-        <p14:creationId xmlns:p14="http://schemas.microsoft.com/office/powerpoint/2010/main" val="3797720574"/>
+        <p14:creationId xmlns:p14="http://schemas.microsoft.com/office/powerpoint/2010/main" val="2023684405"/>
       </p:ext>
     </p:extLst>
   </p:cSld>
@@ -8760,7 +8706,7 @@
           <a:p>
             <a:r>
               <a:rPr lang="en-US" dirty="0"/>
-              <a:t>A License Plate Tracking System</a:t>
+              <a:t>Learnings</a:t>
             </a:r>
           </a:p>
         </p:txBody>
@@ -8775,165 +8721,34 @@
             <p:ph idx="1"/>
           </p:nvPr>
         </p:nvSpPr>
-        <p:spPr>
-          <a:xfrm>
-            <a:off x="396877" y="1022350"/>
-            <a:ext cx="4098923" cy="3729038"/>
-          </a:xfrm>
-        </p:spPr>
+        <p:spPr/>
         <p:txBody>
           <a:bodyPr/>
           <a:lstStyle/>
           <a:p>
             <a:r>
-              <a:rPr lang="en-US" b="0" dirty="0" err="1"/>
-              <a:t>car.jpg</a:t>
-            </a:r>
-            <a:endParaRPr lang="en-US" b="0" dirty="0"/>
-          </a:p>
-          <a:p>
-            <a:r>
-              <a:rPr lang="en-US" b="0" dirty="0"/>
-              <a:t>CZTHEDA %80.23</a:t>
-            </a:r>
-          </a:p>
-          <a:p>
-            <a:r>
-              <a:rPr lang="en-US" b="0" dirty="0"/>
-              <a:t>md5sum </a:t>
-            </a:r>
-            <a:r>
-              <a:rPr lang="en-US" b="0" dirty="0" err="1"/>
-              <a:t>car.jpg</a:t>
-            </a:r>
-            <a:endParaRPr lang="en-US" b="0" dirty="0"/>
-          </a:p>
-          <a:p>
-            <a:r>
-              <a:rPr lang="en-US" b="0" dirty="0"/>
-              <a:t>40.032115, -105.258897</a:t>
-            </a:r>
-          </a:p>
-        </p:txBody>
-      </p:sp>
-      <p:pic>
-        <p:nvPicPr>
-          <p:cNvPr id="5" name="Picture 4"/>
-          <p:cNvPicPr>
-            <a:picLocks noChangeAspect="1"/>
-          </p:cNvPicPr>
-          <p:nvPr/>
-        </p:nvPicPr>
-        <p:blipFill>
-          <a:blip r:embed="rId3"/>
-          <a:stretch>
-            <a:fillRect/>
-          </a:stretch>
-        </p:blipFill>
-        <p:spPr>
-          <a:xfrm>
-            <a:off x="4419599" y="1276350"/>
-            <a:ext cx="4373251" cy="2459162"/>
-          </a:xfrm>
-          <a:prstGeom prst="rect">
-            <a:avLst/>
-          </a:prstGeom>
-        </p:spPr>
-      </p:pic>
-      <p:sp>
-        <p:nvSpPr>
-          <p:cNvPr id="7" name="Frame 6"/>
-          <p:cNvSpPr/>
-          <p:nvPr/>
-        </p:nvSpPr>
-        <p:spPr bwMode="auto">
-          <a:xfrm>
-            <a:off x="5562600" y="2571750"/>
-            <a:ext cx="762000" cy="533400"/>
-          </a:xfrm>
-          <a:prstGeom prst="frame">
-            <a:avLst/>
-          </a:prstGeom>
-          <a:solidFill>
-            <a:srgbClr val="FF0000"/>
-          </a:solidFill>
-          <a:ln w="25400" cap="flat" cmpd="sng" algn="ctr">
-            <a:noFill/>
-            <a:prstDash val="solid"/>
-            <a:round/>
-            <a:headEnd type="none" w="med" len="med"/>
-            <a:tailEnd type="triangle" w="med" len="med"/>
-          </a:ln>
-          <a:effectLst/>
-        </p:spPr>
-        <p:txBody>
-          <a:bodyPr vert="horz" wrap="square" lIns="91440" tIns="45720" rIns="91440" bIns="45720" numCol="1" rtlCol="0" anchor="t" anchorCtr="0" compatLnSpc="1">
-            <a:prstTxWarp prst="textNoShape">
-              <a:avLst/>
-            </a:prstTxWarp>
-          </a:bodyPr>
-          <a:lstStyle/>
-          <a:p>
-            <a:pPr marL="0" marR="0" indent="0" algn="l" defTabSz="914400" rtl="0" eaLnBrk="0" fontAlgn="base" latinLnBrk="0" hangingPunct="0">
-              <a:lnSpc>
-                <a:spcPct val="100000"/>
-              </a:lnSpc>
-              <a:spcBef>
-                <a:spcPct val="0"/>
-              </a:spcBef>
-              <a:spcAft>
-                <a:spcPct val="0"/>
-              </a:spcAft>
-              <a:buClrTx/>
-              <a:buSzTx/>
-              <a:buFontTx/>
-              <a:buNone/>
-              <a:tabLst/>
-            </a:pPr>
-            <a:endParaRPr kumimoji="0" lang="en-US" sz="2400" i="0" u="none" strike="noStrike" cap="none" normalizeH="0" baseline="0" dirty="0">
-              <a:ln>
-                <a:noFill/>
-              </a:ln>
-              <a:solidFill>
-                <a:schemeClr val="tx1"/>
-              </a:solidFill>
-              <a:effectLst/>
-              <a:latin typeface="Arial Narrow" pitchFamily="34" charset="0"/>
-            </a:endParaRPr>
-          </a:p>
-        </p:txBody>
-      </p:sp>
-      <p:cxnSp>
-        <p:nvCxnSpPr>
-          <p:cNvPr id="9" name="Straight Connector 8"/>
-          <p:cNvCxnSpPr/>
-          <p:nvPr/>
-        </p:nvCxnSpPr>
-        <p:spPr bwMode="auto">
-          <a:xfrm flipH="1" flipV="1">
-            <a:off x="3200400" y="1809750"/>
-            <a:ext cx="2286000" cy="990600"/>
-          </a:xfrm>
-          <a:prstGeom prst="line">
-            <a:avLst/>
-          </a:prstGeom>
-          <a:noFill/>
-          <a:ln w="41275" cap="flat" cmpd="sng" algn="ctr">
-            <a:solidFill>
-              <a:srgbClr val="FF0000"/>
-            </a:solidFill>
-            <a:prstDash val="solid"/>
-            <a:round/>
-            <a:headEnd type="none" w="med" len="med"/>
-            <a:tailEnd type="triangle" w="med" len="med"/>
-          </a:ln>
-          <a:effectLst/>
-        </p:spPr>
-      </p:cxnSp>
+              <a:rPr lang="en-US" dirty="0"/>
+              <a:t>Scaling the worker to meet demand</a:t>
+            </a:r>
+          </a:p>
+          <a:p>
+            <a:r>
+              <a:rPr lang="en-US" dirty="0"/>
+              <a:t>What happens if the database is overwhelmed?</a:t>
+            </a:r>
+          </a:p>
+          <a:p>
+            <a:r>
+              <a:rPr lang="en-US" dirty="0"/>
+              <a:t>What happens if the front end is overwhelmed?</a:t>
+            </a:r>
+          </a:p>
+        </p:txBody>
+      </p:sp>
     </p:spTree>
     <p:extLst>
       <p:ext uri="{BB962C8B-B14F-4D97-AF65-F5344CB8AC3E}">
-        <p14:creationId xmlns:p14="http://schemas.microsoft.com/office/powerpoint/2010/main" val="1835652929"/>
+        <p14:creationId xmlns:p14="http://schemas.microsoft.com/office/powerpoint/2010/main" val="296299508"/>
       </p:ext>
     </p:extLst>
   </p:cSld>
@@ -8962,7 +8777,29 @@
       </p:grpSpPr>
       <p:sp>
         <p:nvSpPr>
-          <p:cNvPr id="2" name="Title 1"/>
+          <p:cNvPr id="2" name="Subtitle 1"/>
+          <p:cNvSpPr>
+            <a:spLocks noGrp="1"/>
+          </p:cNvSpPr>
+          <p:nvPr>
+            <p:ph type="subTitle" idx="1"/>
+          </p:nvPr>
+        </p:nvSpPr>
+        <p:spPr/>
+        <p:txBody>
+          <a:bodyPr/>
+          <a:lstStyle/>
+          <a:p>
+            <a:r>
+              <a:rPr lang="en-US" sz="2000" dirty="0"/>
+              <a:t>And good luck with your projects!</a:t>
+            </a:r>
+          </a:p>
+        </p:txBody>
+      </p:sp>
+      <p:sp>
+        <p:nvSpPr>
+          <p:cNvPr id="3" name="Title 2"/>
           <p:cNvSpPr>
             <a:spLocks noGrp="1"/>
           </p:cNvSpPr>
@@ -8977,146 +8814,15 @@
           <a:p>
             <a:r>
               <a:rPr lang="en-US" dirty="0"/>
-              <a:t>Architectural Diagram</a:t>
-            </a:r>
-          </a:p>
-        </p:txBody>
-      </p:sp>
-      <p:pic>
-        <p:nvPicPr>
-          <p:cNvPr id="4" name="Content Placeholder 3"/>
-          <p:cNvPicPr>
-            <a:picLocks noGrp="1" noChangeAspect="1"/>
-          </p:cNvPicPr>
-          <p:nvPr>
-            <p:ph idx="1"/>
-          </p:nvPr>
-        </p:nvPicPr>
-        <p:blipFill>
-          <a:blip r:embed="rId2">
-            <a:extLst>
-              <a:ext uri="{28A0092B-C50C-407E-A947-70E740481C1C}">
-                <a14:useLocalDpi xmlns:a14="http://schemas.microsoft.com/office/drawing/2010/main" val="0"/>
-              </a:ext>
-            </a:extLst>
-          </a:blip>
-          <a:stretch>
-            <a:fillRect/>
-          </a:stretch>
-        </p:blipFill>
-        <p:spPr>
-          <a:xfrm>
-            <a:off x="396875" y="1312439"/>
-            <a:ext cx="7896225" cy="3148860"/>
-          </a:xfrm>
-        </p:spPr>
-      </p:pic>
+              <a:t>Thank You!</a:t>
+            </a:r>
+          </a:p>
+        </p:txBody>
+      </p:sp>
     </p:spTree>
     <p:extLst>
       <p:ext uri="{BB962C8B-B14F-4D97-AF65-F5344CB8AC3E}">
-        <p14:creationId xmlns:p14="http://schemas.microsoft.com/office/powerpoint/2010/main" val="2062572607"/>
-      </p:ext>
-    </p:extLst>
-  </p:cSld>
-  <p:clrMapOvr>
-    <a:masterClrMapping/>
-  </p:clrMapOvr>
-</p:sld>
-</file>
-
-<file path=ppt/slides/slide9.xml><?xml version="1.0" encoding="utf-8"?>
-<p:sld xmlns:a="http://schemas.openxmlformats.org/drawingml/2006/main" xmlns:r="http://schemas.openxmlformats.org/officeDocument/2006/relationships" xmlns:p="http://schemas.openxmlformats.org/presentationml/2006/main">
-  <p:cSld>
-    <p:spTree>
-      <p:nvGrpSpPr>
-        <p:cNvPr id="1" name=""/>
-        <p:cNvGrpSpPr/>
-        <p:nvPr/>
-      </p:nvGrpSpPr>
-      <p:grpSpPr>
-        <a:xfrm>
-          <a:off x="0" y="0"/>
-          <a:ext cx="0" cy="0"/>
-          <a:chOff x="0" y="0"/>
-          <a:chExt cx="0" cy="0"/>
-        </a:xfrm>
-      </p:grpSpPr>
-      <p:sp>
-        <p:nvSpPr>
-          <p:cNvPr id="2" name="Title 1"/>
-          <p:cNvSpPr>
-            <a:spLocks noGrp="1"/>
-          </p:cNvSpPr>
-          <p:nvPr>
-            <p:ph type="title"/>
-          </p:nvPr>
-        </p:nvSpPr>
-        <p:spPr/>
-        <p:txBody>
-          <a:bodyPr/>
-          <a:lstStyle/>
-          <a:p>
-            <a:r>
-              <a:rPr lang="en-US" dirty="0"/>
-              <a:t>Debugging</a:t>
-            </a:r>
-          </a:p>
-        </p:txBody>
-      </p:sp>
-      <p:sp>
-        <p:nvSpPr>
-          <p:cNvPr id="3" name="Content Placeholder 2"/>
-          <p:cNvSpPr>
-            <a:spLocks noGrp="1"/>
-          </p:cNvSpPr>
-          <p:nvPr>
-            <p:ph idx="1"/>
-          </p:nvPr>
-        </p:nvSpPr>
-        <p:spPr/>
-        <p:txBody>
-          <a:bodyPr/>
-          <a:lstStyle/>
-          <a:p>
-            <a:r>
-              <a:rPr lang="en-US" dirty="0"/>
-              <a:t>Logging with </a:t>
-            </a:r>
-            <a:r>
-              <a:rPr lang="en-US" dirty="0" err="1"/>
-              <a:t>rabbitMQ</a:t>
-            </a:r>
-            <a:endParaRPr lang="en-US" dirty="0"/>
-          </a:p>
-          <a:p>
-            <a:r>
-              <a:rPr lang="en-US" dirty="0"/>
-              <a:t>Cluster communication</a:t>
-            </a:r>
-          </a:p>
-          <a:p>
-            <a:r>
-              <a:rPr lang="en-US" dirty="0"/>
-              <a:t>Launching under a new </a:t>
-            </a:r>
-            <a:r>
-              <a:rPr lang="en-US" dirty="0" err="1"/>
-              <a:t>gcloud</a:t>
-            </a:r>
-            <a:r>
-              <a:rPr lang="en-US" dirty="0"/>
-              <a:t> project</a:t>
-            </a:r>
-          </a:p>
-          <a:p>
-            <a:endParaRPr lang="en-US" dirty="0"/>
-          </a:p>
-        </p:txBody>
-      </p:sp>
-    </p:spTree>
-    <p:extLst>
-      <p:ext uri="{BB962C8B-B14F-4D97-AF65-F5344CB8AC3E}">
-        <p14:creationId xmlns:p14="http://schemas.microsoft.com/office/powerpoint/2010/main" val="2023684405"/>
+        <p14:creationId xmlns:p14="http://schemas.microsoft.com/office/powerpoint/2010/main" val="1639093140"/>
       </p:ext>
     </p:extLst>
   </p:cSld>

--- a/demoPresentation.pptx
+++ b/demoPresentation.pptx
@@ -8777,41 +8777,25 @@
       </p:grpSpPr>
       <p:sp>
         <p:nvSpPr>
-          <p:cNvPr id="2" name="Subtitle 1"/>
-          <p:cNvSpPr>
-            <a:spLocks noGrp="1"/>
-          </p:cNvSpPr>
-          <p:nvPr>
-            <p:ph type="subTitle" idx="1"/>
-          </p:nvPr>
-        </p:nvSpPr>
-        <p:spPr/>
+          <p:cNvPr id="3" name="Title 2"/>
+          <p:cNvSpPr>
+            <a:spLocks noGrp="1"/>
+          </p:cNvSpPr>
+          <p:nvPr>
+            <p:ph type="title"/>
+          </p:nvPr>
+        </p:nvSpPr>
+        <p:spPr>
+          <a:xfrm>
+            <a:off x="1828800" y="2266950"/>
+            <a:ext cx="6277401" cy="1657350"/>
+          </a:xfrm>
+        </p:spPr>
         <p:txBody>
           <a:bodyPr/>
           <a:lstStyle/>
           <a:p>
-            <a:r>
-              <a:rPr lang="en-US" sz="2000" dirty="0"/>
-              <a:t>And good luck with your projects!</a:t>
-            </a:r>
-          </a:p>
-        </p:txBody>
-      </p:sp>
-      <p:sp>
-        <p:nvSpPr>
-          <p:cNvPr id="3" name="Title 2"/>
-          <p:cNvSpPr>
-            <a:spLocks noGrp="1"/>
-          </p:cNvSpPr>
-          <p:nvPr>
-            <p:ph type="title"/>
-          </p:nvPr>
-        </p:nvSpPr>
-        <p:spPr/>
-        <p:txBody>
-          <a:bodyPr/>
-          <a:lstStyle/>
-          <a:p>
+            <a:pPr algn="ctr"/>
             <a:r>
               <a:rPr lang="en-US" dirty="0"/>
               <a:t>Thank You!</a:t>

--- a/demoPresentation.pptx
+++ b/demoPresentation.pptx
@@ -5,17 +5,16 @@
     <p:sldMasterId id="2147483658" r:id="rId1"/>
   </p:sldMasterIdLst>
   <p:notesMasterIdLst>
-    <p:notesMasterId r:id="rId10"/>
+    <p:notesMasterId r:id="rId9"/>
   </p:notesMasterIdLst>
   <p:sldIdLst>
     <p:sldId id="327" r:id="rId2"/>
     <p:sldId id="330" r:id="rId3"/>
     <p:sldId id="328" r:id="rId4"/>
     <p:sldId id="326" r:id="rId5"/>
-    <p:sldId id="331" r:id="rId6"/>
-    <p:sldId id="332" r:id="rId7"/>
-    <p:sldId id="333" r:id="rId8"/>
-    <p:sldId id="336" r:id="rId9"/>
+    <p:sldId id="332" r:id="rId6"/>
+    <p:sldId id="333" r:id="rId7"/>
+    <p:sldId id="336" r:id="rId8"/>
   </p:sldIdLst>
   <p:sldSz cx="9144000" cy="5143500" type="screen16x9"/>
   <p:notesSz cx="6858000" cy="9144000"/>
@@ -8523,44 +8522,65 @@
           <a:p>
             <a:r>
               <a:rPr lang="en-US" dirty="0"/>
-              <a:t>Architectural Diagram</a:t>
-            </a:r>
-          </a:p>
-        </p:txBody>
-      </p:sp>
-      <p:pic>
-        <p:nvPicPr>
-          <p:cNvPr id="4" name="Content Placeholder 3"/>
-          <p:cNvPicPr>
-            <a:picLocks noGrp="1" noChangeAspect="1"/>
-          </p:cNvPicPr>
+              <a:t>Debugging</a:t>
+            </a:r>
+          </a:p>
+        </p:txBody>
+      </p:sp>
+      <p:sp>
+        <p:nvSpPr>
+          <p:cNvPr id="3" name="Content Placeholder 2"/>
+          <p:cNvSpPr>
+            <a:spLocks noGrp="1"/>
+          </p:cNvSpPr>
           <p:nvPr>
             <p:ph idx="1"/>
           </p:nvPr>
-        </p:nvPicPr>
-        <p:blipFill>
-          <a:blip r:embed="rId2">
-            <a:extLst>
-              <a:ext uri="{28A0092B-C50C-407E-A947-70E740481C1C}">
-                <a14:useLocalDpi xmlns:a14="http://schemas.microsoft.com/office/drawing/2010/main" val="0"/>
-              </a:ext>
-            </a:extLst>
-          </a:blip>
-          <a:stretch>
-            <a:fillRect/>
-          </a:stretch>
-        </p:blipFill>
-        <p:spPr>
-          <a:xfrm>
-            <a:off x="396875" y="1312439"/>
-            <a:ext cx="7896225" cy="3148860"/>
-          </a:xfrm>
-        </p:spPr>
-      </p:pic>
+        </p:nvSpPr>
+        <p:spPr/>
+        <p:txBody>
+          <a:bodyPr/>
+          <a:lstStyle/>
+          <a:p>
+            <a:r>
+              <a:rPr lang="en-US" dirty="0"/>
+              <a:t>Logging with </a:t>
+            </a:r>
+            <a:r>
+              <a:rPr lang="en-US" dirty="0" err="1"/>
+              <a:t>rabbitMQ</a:t>
+            </a:r>
+            <a:endParaRPr lang="en-US" dirty="0"/>
+          </a:p>
+          <a:p>
+            <a:r>
+              <a:rPr lang="en-US" dirty="0"/>
+              <a:t>Cluster communication</a:t>
+            </a:r>
+          </a:p>
+          <a:p>
+            <a:r>
+              <a:rPr lang="en-US" dirty="0"/>
+              <a:t>Launching under a new </a:t>
+            </a:r>
+            <a:r>
+              <a:rPr lang="en-US" dirty="0" err="1"/>
+              <a:t>gcloud</a:t>
+            </a:r>
+            <a:r>
+              <a:rPr lang="en-US" dirty="0"/>
+              <a:t> project</a:t>
+            </a:r>
+          </a:p>
+          <a:p>
+            <a:endParaRPr lang="en-US" dirty="0"/>
+          </a:p>
+        </p:txBody>
+      </p:sp>
     </p:spTree>
     <p:extLst>
       <p:ext uri="{BB962C8B-B14F-4D97-AF65-F5344CB8AC3E}">
-        <p14:creationId xmlns:p14="http://schemas.microsoft.com/office/powerpoint/2010/main" val="2062572607"/>
+        <p14:creationId xmlns:p14="http://schemas.microsoft.com/office/powerpoint/2010/main" val="2023684405"/>
       </p:ext>
     </p:extLst>
   </p:cSld>
@@ -8604,108 +8624,6 @@
           <a:p>
             <a:r>
               <a:rPr lang="en-US" dirty="0"/>
-              <a:t>Debugging</a:t>
-            </a:r>
-          </a:p>
-        </p:txBody>
-      </p:sp>
-      <p:sp>
-        <p:nvSpPr>
-          <p:cNvPr id="3" name="Content Placeholder 2"/>
-          <p:cNvSpPr>
-            <a:spLocks noGrp="1"/>
-          </p:cNvSpPr>
-          <p:nvPr>
-            <p:ph idx="1"/>
-          </p:nvPr>
-        </p:nvSpPr>
-        <p:spPr/>
-        <p:txBody>
-          <a:bodyPr/>
-          <a:lstStyle/>
-          <a:p>
-            <a:r>
-              <a:rPr lang="en-US" dirty="0"/>
-              <a:t>Logging with </a:t>
-            </a:r>
-            <a:r>
-              <a:rPr lang="en-US" dirty="0" err="1"/>
-              <a:t>rabbitMQ</a:t>
-            </a:r>
-            <a:endParaRPr lang="en-US" dirty="0"/>
-          </a:p>
-          <a:p>
-            <a:r>
-              <a:rPr lang="en-US" dirty="0"/>
-              <a:t>Cluster communication</a:t>
-            </a:r>
-          </a:p>
-          <a:p>
-            <a:r>
-              <a:rPr lang="en-US" dirty="0"/>
-              <a:t>Launching under a new </a:t>
-            </a:r>
-            <a:r>
-              <a:rPr lang="en-US" dirty="0" err="1"/>
-              <a:t>gcloud</a:t>
-            </a:r>
-            <a:r>
-              <a:rPr lang="en-US" dirty="0"/>
-              <a:t> project</a:t>
-            </a:r>
-          </a:p>
-          <a:p>
-            <a:endParaRPr lang="en-US" dirty="0"/>
-          </a:p>
-        </p:txBody>
-      </p:sp>
-    </p:spTree>
-    <p:extLst>
-      <p:ext uri="{BB962C8B-B14F-4D97-AF65-F5344CB8AC3E}">
-        <p14:creationId xmlns:p14="http://schemas.microsoft.com/office/powerpoint/2010/main" val="2023684405"/>
-      </p:ext>
-    </p:extLst>
-  </p:cSld>
-  <p:clrMapOvr>
-    <a:masterClrMapping/>
-  </p:clrMapOvr>
-</p:sld>
-</file>
-
-<file path=ppt/slides/slide7.xml><?xml version="1.0" encoding="utf-8"?>
-<p:sld xmlns:a="http://schemas.openxmlformats.org/drawingml/2006/main" xmlns:r="http://schemas.openxmlformats.org/officeDocument/2006/relationships" xmlns:p="http://schemas.openxmlformats.org/presentationml/2006/main">
-  <p:cSld>
-    <p:spTree>
-      <p:nvGrpSpPr>
-        <p:cNvPr id="1" name=""/>
-        <p:cNvGrpSpPr/>
-        <p:nvPr/>
-      </p:nvGrpSpPr>
-      <p:grpSpPr>
-        <a:xfrm>
-          <a:off x="0" y="0"/>
-          <a:ext cx="0" cy="0"/>
-          <a:chOff x="0" y="0"/>
-          <a:chExt cx="0" cy="0"/>
-        </a:xfrm>
-      </p:grpSpPr>
-      <p:sp>
-        <p:nvSpPr>
-          <p:cNvPr id="2" name="Title 1"/>
-          <p:cNvSpPr>
-            <a:spLocks noGrp="1"/>
-          </p:cNvSpPr>
-          <p:nvPr>
-            <p:ph type="title"/>
-          </p:nvPr>
-        </p:nvSpPr>
-        <p:spPr/>
-        <p:txBody>
-          <a:bodyPr/>
-          <a:lstStyle/>
-          <a:p>
-            <a:r>
-              <a:rPr lang="en-US" dirty="0"/>
               <a:t>Learnings</a:t>
             </a:r>
           </a:p>
@@ -8758,7 +8676,7 @@
 </p:sld>
 </file>
 
-<file path=ppt/slides/slide8.xml><?xml version="1.0" encoding="utf-8"?>
+<file path=ppt/slides/slide7.xml><?xml version="1.0" encoding="utf-8"?>
 <p:sld xmlns:a="http://schemas.openxmlformats.org/drawingml/2006/main" xmlns:r="http://schemas.openxmlformats.org/officeDocument/2006/relationships" xmlns:p="http://schemas.openxmlformats.org/presentationml/2006/main">
   <p:cSld>
     <p:spTree>
